--- a/docs/sprint/0/Inception Deck.pptx
+++ b/docs/sprint/0/Inception Deck.pptx
@@ -5246,31 +5246,7 @@
                   <a:schemeClr val="bg1"/>
                 </a:solidFill>
               </a:rPr>
-              <a:t> </a:t>
-            </a:r>
-            <a:r>
-              <a:rPr lang="en-CA" sz="2800" smtClean="0">
-                <a:solidFill>
-                  <a:schemeClr val="bg1"/>
-                </a:solidFill>
-              </a:rPr>
-              <a:t>~</a:t>
-            </a:r>
-            <a:r>
-              <a:rPr lang="en-CA" sz="2800" smtClean="0">
-                <a:solidFill>
-                  <a:schemeClr val="bg1"/>
-                </a:solidFill>
-              </a:rPr>
-              <a:t>1.5</a:t>
-            </a:r>
-            <a:r>
-              <a:rPr lang="en-CA" sz="2800" smtClean="0">
-                <a:solidFill>
-                  <a:schemeClr val="bg1"/>
-                </a:solidFill>
-              </a:rPr>
-              <a:t> months</a:t>
+              <a:t> ~1.5 months</a:t>
             </a:r>
             <a:endParaRPr lang="en-CA" sz="2800" dirty="0">
               <a:solidFill>
@@ -5308,15 +5284,7 @@
                   <a:schemeClr val="bg1"/>
                 </a:solidFill>
               </a:rPr>
-              <a:t> </a:t>
-            </a:r>
-            <a:r>
-              <a:rPr lang="en-CA" sz="2800" dirty="0" smtClean="0">
-                <a:solidFill>
-                  <a:schemeClr val="bg1"/>
-                </a:solidFill>
-              </a:rPr>
-              <a:t>~2 </a:t>
+              <a:t> ~2 </a:t>
             </a:r>
             <a:r>
               <a:rPr lang="en-CA" sz="2800" dirty="0" err="1" smtClean="0">
@@ -5536,11 +5504,11 @@
   <p:clrMapOvr>
     <a:masterClrMapping/>
   </p:clrMapOvr>
-  <mc:AlternateContent xmlns:mc="http://schemas.openxmlformats.org/markup-compatibility/2006">
-    <mc:Choice xmlns:p14="http://schemas.microsoft.com/office/powerpoint/2010/main" Requires="p14">
+  <mc:AlternateContent xmlns:mc="http://schemas.openxmlformats.org/markup-compatibility/2006" xmlns:p14="http://schemas.microsoft.com/office/powerpoint/2010/main">
+    <mc:Choice Requires="p14">
       <p:transition spd="slow" p14:dur="2000"/>
     </mc:Choice>
-    <mc:Fallback>
+    <mc:Fallback xmlns="">
       <p:transition spd="slow"/>
     </mc:Fallback>
   </mc:AlternateContent>
@@ -8506,7 +8474,7 @@
         <p:spPr>
           <a:xfrm>
             <a:off x="1383190" y="4114800"/>
-            <a:ext cx="5324086" cy="707886"/>
+            <a:ext cx="5043688" cy="1938992"/>
           </a:xfrm>
           <a:prstGeom prst="rect">
             <a:avLst/>
@@ -8531,35 +8499,21 @@
                 <a:latin typeface="Calibri Bold" pitchFamily="34" charset="0"/>
                 <a:cs typeface="Calibri Bold" pitchFamily="34" charset="0"/>
               </a:rPr>
-              <a:t>5</a:t>
+              <a:t>2</a:t>
             </a:r>
             <a:r>
               <a:rPr lang="en-CA" sz="4000" dirty="0" smtClean="0">
                 <a:latin typeface="Calibri Bold" pitchFamily="34" charset="0"/>
                 <a:cs typeface="Calibri Bold" pitchFamily="34" charset="0"/>
               </a:rPr>
-              <a:t> </a:t>
+              <a:t> weeks, $</a:t>
             </a:r>
             <a:r>
               <a:rPr lang="en-CA" sz="4000" dirty="0" smtClean="0">
                 <a:latin typeface="Calibri Bold" pitchFamily="34" charset="0"/>
                 <a:cs typeface="Calibri Bold" pitchFamily="34" charset="0"/>
               </a:rPr>
-              <a:t>months, </a:t>
-            </a:r>
-            <a:r>
-              <a:rPr lang="en-CA" sz="4000" dirty="0" smtClean="0">
-                <a:latin typeface="Calibri Bold" pitchFamily="34" charset="0"/>
-                <a:cs typeface="Calibri Bold" pitchFamily="34" charset="0"/>
-              </a:rPr>
-              <a:t>$</a:t>
-            </a:r>
-            <a:r>
-              <a:rPr lang="en-CA" sz="4000" dirty="0">
-                <a:latin typeface="Calibri Bold" pitchFamily="34" charset="0"/>
-                <a:cs typeface="Calibri Bold" pitchFamily="34" charset="0"/>
-              </a:rPr>
-              <a:t>0</a:t>
+              <a:t>6</a:t>
             </a:r>
             <a:r>
               <a:rPr lang="en-CA" sz="4000" dirty="0" smtClean="0">
@@ -8567,6 +8521,32 @@
                 <a:cs typeface="Calibri Bold" pitchFamily="34" charset="0"/>
               </a:rPr>
               <a:t>K</a:t>
+            </a:r>
+            <a:br>
+              <a:rPr lang="en-CA" sz="4000" dirty="0" smtClean="0">
+                <a:latin typeface="Calibri Bold" pitchFamily="34" charset="0"/>
+                <a:cs typeface="Calibri Bold" pitchFamily="34" charset="0"/>
+              </a:rPr>
+            </a:br>
+            <a:r>
+              <a:rPr lang="en-CA" sz="4000" dirty="0" smtClean="0">
+                <a:latin typeface="Calibri Bold" pitchFamily="34" charset="0"/>
+                <a:cs typeface="Calibri Bold" pitchFamily="34" charset="0"/>
+              </a:rPr>
+              <a:t/>
+            </a:r>
+            <a:br>
+              <a:rPr lang="en-CA" sz="4000" dirty="0" smtClean="0">
+                <a:latin typeface="Calibri Bold" pitchFamily="34" charset="0"/>
+                <a:cs typeface="Calibri Bold" pitchFamily="34" charset="0"/>
+              </a:rPr>
+            </a:br>
+            <a:r>
+              <a:rPr lang="en-CA" sz="4000" dirty="0" smtClean="0">
+                <a:latin typeface="Calibri Bold" pitchFamily="34" charset="0"/>
+                <a:cs typeface="Calibri Bold" pitchFamily="34" charset="0"/>
+              </a:rPr>
+              <a:t>(60 hrs x $100 hr)</a:t>
             </a:r>
             <a:endParaRPr lang="en-CA" sz="4000" dirty="0">
               <a:latin typeface="Calibri Bold" pitchFamily="34" charset="0"/>
@@ -8784,7 +8764,7 @@
         <p:spPr>
           <a:xfrm>
             <a:off x="1593769" y="2057400"/>
-            <a:ext cx="2113720" cy="954107"/>
+            <a:ext cx="2057807" cy="954107"/>
           </a:xfrm>
           <a:prstGeom prst="rect">
             <a:avLst/>
@@ -8799,14 +8779,14 @@
           <a:p>
             <a:r>
               <a:rPr lang="en-CA" sz="2800" dirty="0" smtClean="0"/>
-              <a:t>Construction</a:t>
+              <a:t>MVP </a:t>
             </a:r>
             <a:br>
               <a:rPr lang="en-CA" sz="2800" dirty="0" smtClean="0"/>
             </a:br>
             <a:r>
-              <a:rPr lang="en-CA" sz="2800" smtClean="0"/>
-              <a:t>Initial Project</a:t>
+              <a:rPr lang="en-CA" sz="2800" dirty="0" smtClean="0"/>
+              <a:t>Construction</a:t>
             </a:r>
             <a:endParaRPr lang="en-CA" sz="2800" dirty="0"/>
           </a:p>
@@ -8821,7 +8801,7 @@
         <p:spPr>
           <a:xfrm>
             <a:off x="4115130" y="2082791"/>
-            <a:ext cx="1686680" cy="954107"/>
+            <a:ext cx="1439753" cy="954107"/>
           </a:xfrm>
           <a:prstGeom prst="rect">
             <a:avLst/>
@@ -8835,15 +8815,19 @@
           <a:lstStyle/>
           <a:p>
             <a:r>
-              <a:rPr lang="en-CA" sz="2800" smtClean="0"/>
-              <a:t>Additional</a:t>
+              <a:rPr lang="en-CA" sz="2800" dirty="0" smtClean="0"/>
+              <a:t>Testing /</a:t>
+            </a:r>
+            <a:r>
+              <a:rPr lang="en-CA" sz="2800" dirty="0" smtClean="0"/>
+              <a:t/>
             </a:r>
             <a:br>
-              <a:rPr lang="en-CA" sz="2800" smtClean="0"/>
+              <a:rPr lang="en-CA" sz="2800" dirty="0" smtClean="0"/>
             </a:br>
             <a:r>
-              <a:rPr lang="en-CA" sz="2800" smtClean="0"/>
-              <a:t>Features</a:t>
+              <a:rPr lang="en-CA" sz="2800" dirty="0" smtClean="0"/>
+              <a:t>Sign off</a:t>
             </a:r>
             <a:endParaRPr lang="en-CA" sz="2800" dirty="0"/>
           </a:p>
@@ -8858,7 +8842,7 @@
         <p:spPr>
           <a:xfrm>
             <a:off x="6139633" y="2092464"/>
-            <a:ext cx="1425198" cy="954107"/>
+            <a:ext cx="1336648" cy="523220"/>
           </a:xfrm>
           <a:prstGeom prst="rect">
             <a:avLst/>
@@ -8872,15 +8856,8 @@
           <a:lstStyle/>
           <a:p>
             <a:r>
-              <a:rPr lang="en-CA" sz="2800" smtClean="0"/>
-              <a:t>Deploy /</a:t>
-            </a:r>
-            <a:br>
-              <a:rPr lang="en-CA" sz="2800" smtClean="0"/>
-            </a:br>
-            <a:r>
-              <a:rPr lang="en-CA" sz="2800" smtClean="0"/>
-              <a:t>Testing</a:t>
+              <a:rPr lang="en-CA" sz="2800" dirty="0" smtClean="0"/>
+              <a:t>Training</a:t>
             </a:r>
             <a:endParaRPr lang="en-CA" sz="2800" dirty="0"/>
           </a:p>
@@ -8895,7 +8872,7 @@
         <p:spPr>
           <a:xfrm>
             <a:off x="2048661" y="3132951"/>
-            <a:ext cx="1933543" cy="523220"/>
+            <a:ext cx="1378904" cy="523220"/>
           </a:xfrm>
           <a:prstGeom prst="rect">
             <a:avLst/>
@@ -8914,7 +8891,7 @@
                   <a:schemeClr val="bg1"/>
                 </a:solidFill>
               </a:rPr>
-              <a:t>~2.5months</a:t>
+              <a:t>~1.5wks</a:t>
             </a:r>
             <a:endParaRPr lang="en-CA" sz="2800" dirty="0">
               <a:solidFill>
@@ -8933,7 +8910,7 @@
         <p:spPr>
           <a:xfrm>
             <a:off x="3915561" y="3132951"/>
-            <a:ext cx="2097049" cy="523220"/>
+            <a:ext cx="1277914" cy="523220"/>
           </a:xfrm>
           <a:prstGeom prst="rect">
             <a:avLst/>
@@ -8947,36 +8924,20 @@
           <a:lstStyle/>
           <a:p>
             <a:r>
-              <a:rPr lang="en-CA" sz="2800" smtClean="0">
+              <a:rPr lang="en-CA" sz="2800" dirty="0" smtClean="0">
                 <a:solidFill>
                   <a:schemeClr val="bg1"/>
                 </a:solidFill>
               </a:rPr>
-              <a:t> </a:t>
-            </a:r>
-            <a:r>
-              <a:rPr lang="en-CA" sz="2800" smtClean="0">
+              <a:t>~.5 </a:t>
+            </a:r>
+            <a:r>
+              <a:rPr lang="en-CA" sz="2800" dirty="0" err="1" smtClean="0">
                 <a:solidFill>
                   <a:schemeClr val="bg1"/>
                 </a:solidFill>
               </a:rPr>
-              <a:t>~</a:t>
-            </a:r>
-            <a:r>
-              <a:rPr lang="en-CA" sz="2800" smtClean="0">
-                <a:solidFill>
-                  <a:schemeClr val="bg1"/>
-                </a:solidFill>
-              </a:rPr>
-              <a:t>1.5</a:t>
-            </a:r>
-            <a:r>
-              <a:rPr lang="en-CA" sz="2800" smtClean="0">
-                <a:solidFill>
-                  <a:schemeClr val="bg1"/>
-                </a:solidFill>
-              </a:rPr>
-              <a:t> months</a:t>
+              <a:t>wks</a:t>
             </a:r>
             <a:endParaRPr lang="en-CA" sz="2800" dirty="0">
               <a:solidFill>
@@ -8995,7 +8956,7 @@
         <p:spPr>
           <a:xfrm>
             <a:off x="6115804" y="3132951"/>
-            <a:ext cx="1268296" cy="523220"/>
+            <a:ext cx="1088760" cy="523220"/>
           </a:xfrm>
           <a:prstGeom prst="rect">
             <a:avLst/>
@@ -9017,12 +8978,20 @@
               <a:t> </a:t>
             </a:r>
             <a:r>
+              <a:rPr lang="en-CA" sz="2800" dirty="0">
+                <a:solidFill>
+                  <a:schemeClr val="bg1"/>
+                </a:solidFill>
+              </a:rPr>
+              <a:t>0</a:t>
+            </a:r>
+            <a:r>
               <a:rPr lang="en-CA" sz="2800" dirty="0" smtClean="0">
                 <a:solidFill>
                   <a:schemeClr val="bg1"/>
                 </a:solidFill>
               </a:rPr>
-              <a:t>~2 </a:t>
+              <a:t> </a:t>
             </a:r>
             <a:r>
               <a:rPr lang="en-CA" sz="2800" dirty="0" err="1" smtClean="0">
@@ -9077,11 +9046,11 @@
   <p:clrMapOvr>
     <a:masterClrMapping/>
   </p:clrMapOvr>
-  <mc:AlternateContent xmlns:mc="http://schemas.openxmlformats.org/markup-compatibility/2006">
-    <mc:Choice xmlns:p14="http://schemas.microsoft.com/office/powerpoint/2010/main" Requires="p14">
+  <mc:AlternateContent xmlns:mc="http://schemas.openxmlformats.org/markup-compatibility/2006" xmlns:p14="http://schemas.microsoft.com/office/powerpoint/2010/main">
+    <mc:Choice Requires="p14">
       <p:transition spd="slow" p14:dur="2000"/>
     </mc:Choice>
-    <mc:Fallback>
+    <mc:Fallback xmlns="">
       <p:transition spd="slow"/>
     </mc:Fallback>
   </mc:AlternateContent>
@@ -9199,11 +9168,7 @@
           <a:p>
             <a:r>
               <a:rPr lang="en-CA" sz="3600"/>
-              <a:t>To automate the repair, warranty, </a:t>
-            </a:r>
-            <a:r>
-              <a:rPr lang="en-CA" sz="3600"/>
-              <a:t>and </a:t>
+              <a:t>To automate the repair, warranty, and </a:t>
             </a:r>
             <a:endParaRPr lang="en-CA" sz="3600" smtClean="0"/>
           </a:p>
@@ -9340,11 +9305,6 @@
               </a:rPr>
               <a:t>Ricardo Beverly Hills</a:t>
             </a:r>
-            <a:endParaRPr lang="en-CA" dirty="0" smtClean="0">
-              <a:solidFill>
-                <a:srgbClr val="008000"/>
-              </a:solidFill>
-            </a:endParaRPr>
           </a:p>
           <a:p>
             <a:r>
@@ -9359,11 +9319,6 @@
               </a:rPr>
               <a:t>needs a better product and parts management solution</a:t>
             </a:r>
-            <a:endParaRPr lang="en-CA" dirty="0" smtClean="0">
-              <a:solidFill>
-                <a:srgbClr val="008000"/>
-              </a:solidFill>
-            </a:endParaRPr>
           </a:p>
           <a:p>
             <a:r>
@@ -9378,11 +9333,6 @@
               </a:rPr>
               <a:t>parts, repair, and warranty tracker</a:t>
             </a:r>
-            <a:endParaRPr lang="en-CA" dirty="0" smtClean="0">
-              <a:solidFill>
-                <a:srgbClr val="008000"/>
-              </a:solidFill>
-            </a:endParaRPr>
           </a:p>
           <a:p>
             <a:r>
@@ -9397,11 +9347,6 @@
               </a:rPr>
               <a:t>management system</a:t>
             </a:r>
-            <a:endParaRPr lang="en-CA" dirty="0" smtClean="0">
-              <a:solidFill>
-                <a:srgbClr val="008000"/>
-              </a:solidFill>
-            </a:endParaRPr>
           </a:p>
           <a:p>
             <a:r>
@@ -9431,11 +9376,6 @@
               </a:rPr>
               <a:t>the current system in Access</a:t>
             </a:r>
-            <a:endParaRPr lang="en-CA" dirty="0" smtClean="0">
-              <a:solidFill>
-                <a:srgbClr val="008000"/>
-              </a:solidFill>
-            </a:endParaRPr>
           </a:p>
           <a:p>
             <a:r>
@@ -11271,7 +11211,6 @@
               <a:rPr lang="en-CA" sz="2400" dirty="0" smtClean="0"/>
               <a:t> Bootstrap</a:t>
             </a:r>
-            <a:endParaRPr lang="en-CA" sz="2400" dirty="0" smtClean="0"/>
           </a:p>
           <a:p>
             <a:pPr>
@@ -11295,13 +11234,8 @@
             </a:pPr>
             <a:r>
               <a:rPr lang="en-CA" sz="2400" dirty="0" smtClean="0"/>
-              <a:t> </a:t>
-            </a:r>
-            <a:r>
-              <a:rPr lang="en-CA" sz="2400" dirty="0" smtClean="0"/>
-              <a:t>GitHub, Trello</a:t>
-            </a:r>
-            <a:endParaRPr lang="en-CA" sz="2400" dirty="0" smtClean="0"/>
+              <a:t> GitHub, Trello</a:t>
+            </a:r>
           </a:p>
         </p:txBody>
       </p:sp>
@@ -11387,14 +11321,12 @@
               <a:rPr lang="en-CA" dirty="0" smtClean="0"/>
               <a:t> is very specific)</a:t>
             </a:r>
-            <a:endParaRPr lang="en-CA" dirty="0" smtClean="0"/>
           </a:p>
           <a:p>
             <a:r>
               <a:rPr lang="en-CA" dirty="0" smtClean="0"/>
               <a:t>Balancing work / life with project</a:t>
             </a:r>
-            <a:endParaRPr lang="en-CA" dirty="0" smtClean="0"/>
           </a:p>
           <a:p>
             <a:r>
@@ -11924,11 +11856,11 @@
   <p:clrMapOvr>
     <a:masterClrMapping/>
   </p:clrMapOvr>
-  <mc:AlternateContent xmlns:mc="http://schemas.openxmlformats.org/markup-compatibility/2006">
-    <mc:Choice xmlns:p14="http://schemas.microsoft.com/office/powerpoint/2010/main" Requires="p14">
+  <mc:AlternateContent xmlns:mc="http://schemas.openxmlformats.org/markup-compatibility/2006" xmlns:p14="http://schemas.microsoft.com/office/powerpoint/2010/main">
+    <mc:Choice Requires="p14">
       <p:transition spd="slow" p14:dur="2000"/>
     </mc:Choice>
-    <mc:Fallback>
+    <mc:Fallback xmlns="">
       <p:transition spd="slow"/>
     </mc:Fallback>
   </mc:AlternateContent>
